--- a/day8_7_10_2025/day8_7_10_25.pptx
+++ b/day8_7_10_2025/day8_7_10_25.pptx
@@ -8,6 +8,7 @@
     <p:sldId id="256" r:id="rId2"/>
     <p:sldId id="257" r:id="rId3"/>
     <p:sldId id="258" r:id="rId4"/>
+    <p:sldId id="259" r:id="rId5"/>
   </p:sldIdLst>
   <p:sldSz cx="12192000" cy="6858000"/>
   <p:notesSz cx="6858000" cy="9144000"/>
@@ -4756,6 +4757,277 @@
 </p:sld>
 </file>
 
+<file path=ppt/slides/slide4.xml><?xml version="1.0" encoding="utf-8"?>
+<p:sld xmlns:a="http://schemas.openxmlformats.org/drawingml/2006/main" xmlns:r="http://schemas.openxmlformats.org/officeDocument/2006/relationships" xmlns:p="http://schemas.openxmlformats.org/presentationml/2006/main">
+  <p:cSld>
+    <p:spTree>
+      <p:nvGrpSpPr>
+        <p:cNvPr id="1" name=""/>
+        <p:cNvGrpSpPr/>
+        <p:nvPr/>
+      </p:nvGrpSpPr>
+      <p:grpSpPr>
+        <a:xfrm>
+          <a:off x="0" y="0"/>
+          <a:ext cx="0" cy="0"/>
+          <a:chOff x="0" y="0"/>
+          <a:chExt cx="0" cy="0"/>
+        </a:xfrm>
+      </p:grpSpPr>
+      <p:sp>
+        <p:nvSpPr>
+          <p:cNvPr id="2" name="TextBox 1">
+            <a:extLst>
+              <a:ext uri="{FF2B5EF4-FFF2-40B4-BE49-F238E27FC236}">
+                <a16:creationId xmlns:a16="http://schemas.microsoft.com/office/drawing/2014/main" id="{35B57868-A17B-E9BD-50A6-06E9CD69C988}"/>
+              </a:ext>
+            </a:extLst>
+          </p:cNvPr>
+          <p:cNvSpPr txBox="1"/>
+          <p:nvPr/>
+        </p:nvSpPr>
+        <p:spPr>
+          <a:xfrm>
+            <a:off x="1450428" y="496614"/>
+            <a:ext cx="8781393" cy="369332"/>
+          </a:xfrm>
+          <a:prstGeom prst="rect">
+            <a:avLst/>
+          </a:prstGeom>
+          <a:noFill/>
+        </p:spPr>
+        <p:txBody>
+          <a:bodyPr wrap="square" rtlCol="0">
+            <a:spAutoFit/>
+          </a:bodyPr>
+          <a:lstStyle/>
+          <a:p>
+            <a:r>
+              <a:rPr lang="en-IN" dirty="0"/>
+              <a:t>SPRING SECURITY</a:t>
+            </a:r>
+          </a:p>
+        </p:txBody>
+      </p:sp>
+      <p:sp>
+        <p:nvSpPr>
+          <p:cNvPr id="3" name="TextBox 2">
+            <a:extLst>
+              <a:ext uri="{FF2B5EF4-FFF2-40B4-BE49-F238E27FC236}">
+                <a16:creationId xmlns:a16="http://schemas.microsoft.com/office/drawing/2014/main" id="{4FC40F49-6C21-A73D-F753-20813414D02C}"/>
+              </a:ext>
+            </a:extLst>
+          </p:cNvPr>
+          <p:cNvSpPr txBox="1"/>
+          <p:nvPr/>
+        </p:nvSpPr>
+        <p:spPr>
+          <a:xfrm>
+            <a:off x="1300655" y="1072055"/>
+            <a:ext cx="10074166" cy="4524315"/>
+          </a:xfrm>
+          <a:prstGeom prst="rect">
+            <a:avLst/>
+          </a:prstGeom>
+          <a:noFill/>
+        </p:spPr>
+        <p:txBody>
+          <a:bodyPr wrap="square" rtlCol="0">
+            <a:spAutoFit/>
+          </a:bodyPr>
+          <a:lstStyle/>
+          <a:p>
+            <a:pPr marL="285750" indent="-285750">
+              <a:buFont typeface="Arial" panose="020B0604020202020204" pitchFamily="34" charset="0"/>
+              <a:buChar char="•"/>
+            </a:pPr>
+            <a:r>
+              <a:rPr lang="en-US" dirty="0"/>
+              <a:t>User submits login credentials: A user submits a login form with their username and password.</a:t>
+            </a:r>
+          </a:p>
+          <a:p>
+            <a:pPr marL="285750" indent="-285750">
+              <a:buFont typeface="Arial" panose="020B0604020202020204" pitchFamily="34" charset="0"/>
+              <a:buChar char="•"/>
+            </a:pPr>
+            <a:r>
+              <a:rPr lang="en-US" dirty="0"/>
+              <a:t>Spring Security's </a:t>
+            </a:r>
+            <a:r>
+              <a:rPr lang="en-US" dirty="0" err="1"/>
+              <a:t>UsernamePasswordAuthenticationFilter</a:t>
+            </a:r>
+            <a:r>
+              <a:rPr lang="en-US" dirty="0"/>
+              <a:t> is triggered: This filter intercepts the login request and extracts the username and password from the request.</a:t>
+            </a:r>
+          </a:p>
+          <a:p>
+            <a:pPr marL="285750" indent="-285750">
+              <a:buFont typeface="Arial" panose="020B0604020202020204" pitchFamily="34" charset="0"/>
+              <a:buChar char="•"/>
+            </a:pPr>
+            <a:r>
+              <a:rPr lang="en-US" dirty="0" err="1"/>
+              <a:t>AuthenticationManager</a:t>
+            </a:r>
+            <a:r>
+              <a:rPr lang="en-US" dirty="0"/>
+              <a:t> is called: The filter passes the extracted credentials to the </a:t>
+            </a:r>
+            <a:r>
+              <a:rPr lang="en-US" dirty="0" err="1"/>
+              <a:t>AuthenticationManager</a:t>
+            </a:r>
+            <a:r>
+              <a:rPr lang="en-US" dirty="0"/>
+              <a:t>, which is responsible for authenticating the user.</a:t>
+            </a:r>
+          </a:p>
+          <a:p>
+            <a:pPr marL="285750" indent="-285750">
+              <a:buFont typeface="Arial" panose="020B0604020202020204" pitchFamily="34" charset="0"/>
+              <a:buChar char="•"/>
+            </a:pPr>
+            <a:r>
+              <a:rPr lang="en-US" dirty="0" err="1"/>
+              <a:t>UserDetailsService</a:t>
+            </a:r>
+            <a:r>
+              <a:rPr lang="en-US" dirty="0"/>
+              <a:t> is called: The </a:t>
+            </a:r>
+            <a:r>
+              <a:rPr lang="en-US" dirty="0" err="1"/>
+              <a:t>AuthenticationManager</a:t>
+            </a:r>
+            <a:r>
+              <a:rPr lang="en-US" dirty="0"/>
+              <a:t> uses the </a:t>
+            </a:r>
+            <a:r>
+              <a:rPr lang="en-US" dirty="0" err="1"/>
+              <a:t>UserDetailsService</a:t>
+            </a:r>
+            <a:r>
+              <a:rPr lang="en-US" dirty="0"/>
+              <a:t> to load the user details from the database or any other storage system. In your case, it's the </a:t>
+            </a:r>
+            <a:r>
+              <a:rPr lang="en-US" dirty="0" err="1"/>
+              <a:t>CustomUserService</a:t>
+            </a:r>
+            <a:r>
+              <a:rPr lang="en-US" dirty="0"/>
+              <a:t> class that implements </a:t>
+            </a:r>
+            <a:r>
+              <a:rPr lang="en-US" dirty="0" err="1"/>
+              <a:t>UserDetailsService</a:t>
+            </a:r>
+            <a:r>
+              <a:rPr lang="en-US" dirty="0"/>
+              <a:t>.</a:t>
+            </a:r>
+          </a:p>
+          <a:p>
+            <a:pPr marL="285750" indent="-285750">
+              <a:buFont typeface="Arial" panose="020B0604020202020204" pitchFamily="34" charset="0"/>
+              <a:buChar char="•"/>
+            </a:pPr>
+            <a:r>
+              <a:rPr lang="en-US" dirty="0" err="1"/>
+              <a:t>loadUserByUsername</a:t>
+            </a:r>
+            <a:r>
+              <a:rPr lang="en-US" dirty="0"/>
+              <a:t> method is invoked: The </a:t>
+            </a:r>
+            <a:r>
+              <a:rPr lang="en-US" dirty="0" err="1"/>
+              <a:t>UserDetailsService</a:t>
+            </a:r>
+            <a:r>
+              <a:rPr lang="en-US" dirty="0"/>
+              <a:t> calls the </a:t>
+            </a:r>
+            <a:r>
+              <a:rPr lang="en-US" dirty="0" err="1"/>
+              <a:t>loadUserByUsername</a:t>
+            </a:r>
+            <a:r>
+              <a:rPr lang="en-US" dirty="0"/>
+              <a:t> method, passing the username as an argument. This method retrieves the user details from the database and returns a </a:t>
+            </a:r>
+            <a:r>
+              <a:rPr lang="en-US" dirty="0" err="1"/>
+              <a:t>UserDetails</a:t>
+            </a:r>
+            <a:r>
+              <a:rPr lang="en-US" dirty="0"/>
+              <a:t> object.</a:t>
+            </a:r>
+          </a:p>
+          <a:p>
+            <a:pPr marL="285750" indent="-285750">
+              <a:buFont typeface="Arial" panose="020B0604020202020204" pitchFamily="34" charset="0"/>
+              <a:buChar char="•"/>
+            </a:pPr>
+            <a:r>
+              <a:rPr lang="en-US" dirty="0"/>
+              <a:t>Password verification: The </a:t>
+            </a:r>
+            <a:r>
+              <a:rPr lang="en-US" dirty="0" err="1"/>
+              <a:t>AuthenticationManager</a:t>
+            </a:r>
+            <a:r>
+              <a:rPr lang="en-US" dirty="0"/>
+              <a:t> then verifies the password provided by the user against the password stored in the </a:t>
+            </a:r>
+            <a:r>
+              <a:rPr lang="en-US" dirty="0" err="1"/>
+              <a:t>UserDetails</a:t>
+            </a:r>
+            <a:r>
+              <a:rPr lang="en-US" dirty="0"/>
+              <a:t> object. If the passwords match, the user is authenticated successfully.</a:t>
+            </a:r>
+          </a:p>
+          <a:p>
+            <a:pPr marL="285750" indent="-285750">
+              <a:buFont typeface="Arial" panose="020B0604020202020204" pitchFamily="34" charset="0"/>
+              <a:buChar char="•"/>
+            </a:pPr>
+            <a:endParaRPr lang="en-US" dirty="0"/>
+          </a:p>
+          <a:p>
+            <a:pPr marL="285750" indent="-285750">
+              <a:buFont typeface="Arial" panose="020B0604020202020204" pitchFamily="34" charset="0"/>
+              <a:buChar char="•"/>
+            </a:pPr>
+            <a:r>
+              <a:rPr lang="en-US"/>
+              <a:t>https://spring.io/guides/gs/testing-web</a:t>
+            </a:r>
+          </a:p>
+        </p:txBody>
+      </p:sp>
+    </p:spTree>
+    <p:extLst>
+      <p:ext uri="{BB962C8B-B14F-4D97-AF65-F5344CB8AC3E}">
+        <p14:creationId xmlns:p14="http://schemas.microsoft.com/office/powerpoint/2010/main" val="2916175505"/>
+      </p:ext>
+    </p:extLst>
+  </p:cSld>
+  <p:clrMapOvr>
+    <a:masterClrMapping/>
+  </p:clrMapOvr>
+</p:sld>
+</file>
+
 <file path=ppt/theme/theme1.xml><?xml version="1.0" encoding="utf-8"?>
 <a:theme xmlns:a="http://schemas.openxmlformats.org/drawingml/2006/main" name="Office Theme">
   <a:themeElements>
